--- a/Worship_Ref - 2211.pptx
+++ b/Worship_Ref - 2211.pptx
@@ -23,6 +23,7 @@
     <p:sldId id="271" r:id="rId17"/>
     <p:sldId id="272" r:id="rId18"/>
     <p:sldId id="269" r:id="rId19"/>
+    <p:sldId id="279" r:id="rId20"/>
   </p:sldIdLst>
   <p:sldSz cx="12192000" cy="6858000"/>
   <p:notesSz cx="6858000" cy="9144000"/>
@@ -3831,7 +3832,7 @@
           <p:cNvPr id="2" name="Title 1">
             <a:extLst>
               <a:ext uri="{FF2B5EF4-FFF2-40B4-BE49-F238E27FC236}">
-                <a16:creationId xmlns:a16="http://schemas.microsoft.com/office/drawing/2014/main" xmlns="" id="{FA0F5248-2C6E-3B84-0F6F-1D3F4ADBCEF8}"/>
+                <a16:creationId xmlns="" xmlns:a16="http://schemas.microsoft.com/office/drawing/2014/main" id="{FA0F5248-2C6E-3B84-0F6F-1D3F4ADBCEF8}"/>
               </a:ext>
             </a:extLst>
           </p:cNvPr>
@@ -3864,7 +3865,7 @@
           <p:cNvPr id="3" name="Subtitle 2">
             <a:extLst>
               <a:ext uri="{FF2B5EF4-FFF2-40B4-BE49-F238E27FC236}">
-                <a16:creationId xmlns:a16="http://schemas.microsoft.com/office/drawing/2014/main" xmlns="" id="{D5333477-5EF2-8897-3076-EF5550445228}"/>
+                <a16:creationId xmlns="" xmlns:a16="http://schemas.microsoft.com/office/drawing/2014/main" id="{D5333477-5EF2-8897-3076-EF5550445228}"/>
               </a:ext>
             </a:extLst>
           </p:cNvPr>
@@ -3936,7 +3937,7 @@
           <p:cNvPr id="2" name="Title 1">
             <a:extLst>
               <a:ext uri="{FF2B5EF4-FFF2-40B4-BE49-F238E27FC236}">
-                <a16:creationId xmlns:a16="http://schemas.microsoft.com/office/drawing/2014/main" xmlns="" id="{589F7C0B-8BA5-3BD7-4A2C-FA4BBC3B74B5}"/>
+                <a16:creationId xmlns="" xmlns:a16="http://schemas.microsoft.com/office/drawing/2014/main" id="{589F7C0B-8BA5-3BD7-4A2C-FA4BBC3B74B5}"/>
               </a:ext>
             </a:extLst>
           </p:cNvPr>
@@ -3976,7 +3977,7 @@
           <p:cNvPr id="7" name="TextBox 6">
             <a:extLst>
               <a:ext uri="{FF2B5EF4-FFF2-40B4-BE49-F238E27FC236}">
-                <a16:creationId xmlns:a16="http://schemas.microsoft.com/office/drawing/2014/main" xmlns="" id="{66D361DF-4053-70F3-3A59-1858DCB0B4A2}"/>
+                <a16:creationId xmlns="" xmlns:a16="http://schemas.microsoft.com/office/drawing/2014/main" id="{66D361DF-4053-70F3-3A59-1858DCB0B4A2}"/>
               </a:ext>
             </a:extLst>
           </p:cNvPr>
@@ -4110,7 +4111,7 @@
           <p:cNvPr id="4" name="Title 1">
             <a:extLst>
               <a:ext uri="{FF2B5EF4-FFF2-40B4-BE49-F238E27FC236}">
-                <a16:creationId xmlns:a16="http://schemas.microsoft.com/office/drawing/2014/main" xmlns="" id="{CA898552-904F-FBAC-AADE-58BB375A8B18}"/>
+                <a16:creationId xmlns="" xmlns:a16="http://schemas.microsoft.com/office/drawing/2014/main" id="{CA898552-904F-FBAC-AADE-58BB375A8B18}"/>
               </a:ext>
             </a:extLst>
           </p:cNvPr>
@@ -4172,7 +4173,7 @@
           <p:cNvPr id="5" name="Rectangle 4">
             <a:extLst>
               <a:ext uri="{FF2B5EF4-FFF2-40B4-BE49-F238E27FC236}">
-                <a16:creationId xmlns:a16="http://schemas.microsoft.com/office/drawing/2014/main" xmlns="" id="{4E611A24-FAE7-F22A-664C-F25B609B83E7}"/>
+                <a16:creationId xmlns="" xmlns:a16="http://schemas.microsoft.com/office/drawing/2014/main" id="{4E611A24-FAE7-F22A-664C-F25B609B83E7}"/>
               </a:ext>
             </a:extLst>
           </p:cNvPr>
@@ -4258,7 +4259,7 @@
           <p:cNvPr id="2" name="Title 1">
             <a:extLst>
               <a:ext uri="{FF2B5EF4-FFF2-40B4-BE49-F238E27FC236}">
-                <a16:creationId xmlns:a16="http://schemas.microsoft.com/office/drawing/2014/main" xmlns="" id="{589F7C0B-8BA5-3BD7-4A2C-FA4BBC3B74B5}"/>
+                <a16:creationId xmlns="" xmlns:a16="http://schemas.microsoft.com/office/drawing/2014/main" id="{589F7C0B-8BA5-3BD7-4A2C-FA4BBC3B74B5}"/>
               </a:ext>
             </a:extLst>
           </p:cNvPr>
@@ -4298,7 +4299,7 @@
           <p:cNvPr id="7" name="TextBox 6">
             <a:extLst>
               <a:ext uri="{FF2B5EF4-FFF2-40B4-BE49-F238E27FC236}">
-                <a16:creationId xmlns:a16="http://schemas.microsoft.com/office/drawing/2014/main" xmlns="" id="{66D361DF-4053-70F3-3A59-1858DCB0B4A2}"/>
+                <a16:creationId xmlns="" xmlns:a16="http://schemas.microsoft.com/office/drawing/2014/main" id="{66D361DF-4053-70F3-3A59-1858DCB0B4A2}"/>
               </a:ext>
             </a:extLst>
           </p:cNvPr>
@@ -4414,7 +4415,7 @@
           <p:cNvPr id="4" name="Title 1">
             <a:extLst>
               <a:ext uri="{FF2B5EF4-FFF2-40B4-BE49-F238E27FC236}">
-                <a16:creationId xmlns:a16="http://schemas.microsoft.com/office/drawing/2014/main" xmlns="" id="{CA898552-904F-FBAC-AADE-58BB375A8B18}"/>
+                <a16:creationId xmlns="" xmlns:a16="http://schemas.microsoft.com/office/drawing/2014/main" id="{CA898552-904F-FBAC-AADE-58BB375A8B18}"/>
               </a:ext>
             </a:extLst>
           </p:cNvPr>
@@ -4476,7 +4477,7 @@
           <p:cNvPr id="5" name="Rectangle 4">
             <a:extLst>
               <a:ext uri="{FF2B5EF4-FFF2-40B4-BE49-F238E27FC236}">
-                <a16:creationId xmlns:a16="http://schemas.microsoft.com/office/drawing/2014/main" xmlns="" id="{4E611A24-FAE7-F22A-664C-F25B609B83E7}"/>
+                <a16:creationId xmlns="" xmlns:a16="http://schemas.microsoft.com/office/drawing/2014/main" id="{4E611A24-FAE7-F22A-664C-F25B609B83E7}"/>
               </a:ext>
             </a:extLst>
           </p:cNvPr>
@@ -4562,7 +4563,7 @@
           <p:cNvPr id="2" name="Title 1">
             <a:extLst>
               <a:ext uri="{FF2B5EF4-FFF2-40B4-BE49-F238E27FC236}">
-                <a16:creationId xmlns:a16="http://schemas.microsoft.com/office/drawing/2014/main" xmlns="" id="{589F7C0B-8BA5-3BD7-4A2C-FA4BBC3B74B5}"/>
+                <a16:creationId xmlns="" xmlns:a16="http://schemas.microsoft.com/office/drawing/2014/main" id="{589F7C0B-8BA5-3BD7-4A2C-FA4BBC3B74B5}"/>
               </a:ext>
             </a:extLst>
           </p:cNvPr>
@@ -4602,7 +4603,7 @@
           <p:cNvPr id="7" name="TextBox 6">
             <a:extLst>
               <a:ext uri="{FF2B5EF4-FFF2-40B4-BE49-F238E27FC236}">
-                <a16:creationId xmlns:a16="http://schemas.microsoft.com/office/drawing/2014/main" xmlns="" id="{66D361DF-4053-70F3-3A59-1858DCB0B4A2}"/>
+                <a16:creationId xmlns="" xmlns:a16="http://schemas.microsoft.com/office/drawing/2014/main" id="{66D361DF-4053-70F3-3A59-1858DCB0B4A2}"/>
               </a:ext>
             </a:extLst>
           </p:cNvPr>
@@ -4721,7 +4722,7 @@
           <p:cNvPr id="4" name="Title 1">
             <a:extLst>
               <a:ext uri="{FF2B5EF4-FFF2-40B4-BE49-F238E27FC236}">
-                <a16:creationId xmlns:a16="http://schemas.microsoft.com/office/drawing/2014/main" xmlns="" id="{CA898552-904F-FBAC-AADE-58BB375A8B18}"/>
+                <a16:creationId xmlns="" xmlns:a16="http://schemas.microsoft.com/office/drawing/2014/main" id="{CA898552-904F-FBAC-AADE-58BB375A8B18}"/>
               </a:ext>
             </a:extLst>
           </p:cNvPr>
@@ -4783,7 +4784,7 @@
           <p:cNvPr id="5" name="Rectangle 4">
             <a:extLst>
               <a:ext uri="{FF2B5EF4-FFF2-40B4-BE49-F238E27FC236}">
-                <a16:creationId xmlns:a16="http://schemas.microsoft.com/office/drawing/2014/main" xmlns="" id="{4E611A24-FAE7-F22A-664C-F25B609B83E7}"/>
+                <a16:creationId xmlns="" xmlns:a16="http://schemas.microsoft.com/office/drawing/2014/main" id="{4E611A24-FAE7-F22A-664C-F25B609B83E7}"/>
               </a:ext>
             </a:extLst>
           </p:cNvPr>
@@ -4869,7 +4870,7 @@
           <p:cNvPr id="2" name="Title 1">
             <a:extLst>
               <a:ext uri="{FF2B5EF4-FFF2-40B4-BE49-F238E27FC236}">
-                <a16:creationId xmlns:a16="http://schemas.microsoft.com/office/drawing/2014/main" xmlns="" id="{589F7C0B-8BA5-3BD7-4A2C-FA4BBC3B74B5}"/>
+                <a16:creationId xmlns="" xmlns:a16="http://schemas.microsoft.com/office/drawing/2014/main" id="{589F7C0B-8BA5-3BD7-4A2C-FA4BBC3B74B5}"/>
               </a:ext>
             </a:extLst>
           </p:cNvPr>
@@ -4909,7 +4910,7 @@
           <p:cNvPr id="7" name="TextBox 6">
             <a:extLst>
               <a:ext uri="{FF2B5EF4-FFF2-40B4-BE49-F238E27FC236}">
-                <a16:creationId xmlns:a16="http://schemas.microsoft.com/office/drawing/2014/main" xmlns="" id="{66D361DF-4053-70F3-3A59-1858DCB0B4A2}"/>
+                <a16:creationId xmlns="" xmlns:a16="http://schemas.microsoft.com/office/drawing/2014/main" id="{66D361DF-4053-70F3-3A59-1858DCB0B4A2}"/>
               </a:ext>
             </a:extLst>
           </p:cNvPr>
@@ -5103,7 +5104,7 @@
           <p:cNvPr id="4" name="Title 1">
             <a:extLst>
               <a:ext uri="{FF2B5EF4-FFF2-40B4-BE49-F238E27FC236}">
-                <a16:creationId xmlns:a16="http://schemas.microsoft.com/office/drawing/2014/main" xmlns="" id="{CA898552-904F-FBAC-AADE-58BB375A8B18}"/>
+                <a16:creationId xmlns="" xmlns:a16="http://schemas.microsoft.com/office/drawing/2014/main" id="{CA898552-904F-FBAC-AADE-58BB375A8B18}"/>
               </a:ext>
             </a:extLst>
           </p:cNvPr>
@@ -5165,7 +5166,7 @@
           <p:cNvPr id="5" name="Rectangle 4">
             <a:extLst>
               <a:ext uri="{FF2B5EF4-FFF2-40B4-BE49-F238E27FC236}">
-                <a16:creationId xmlns:a16="http://schemas.microsoft.com/office/drawing/2014/main" xmlns="" id="{4EADD43D-E784-79CA-F056-D5B2983044E3}"/>
+                <a16:creationId xmlns="" xmlns:a16="http://schemas.microsoft.com/office/drawing/2014/main" id="{4EADD43D-E784-79CA-F056-D5B2983044E3}"/>
               </a:ext>
             </a:extLst>
           </p:cNvPr>
@@ -5251,7 +5252,7 @@
           <p:cNvPr id="2" name="Title 1">
             <a:extLst>
               <a:ext uri="{FF2B5EF4-FFF2-40B4-BE49-F238E27FC236}">
-                <a16:creationId xmlns:a16="http://schemas.microsoft.com/office/drawing/2014/main" xmlns="" id="{589F7C0B-8BA5-3BD7-4A2C-FA4BBC3B74B5}"/>
+                <a16:creationId xmlns="" xmlns:a16="http://schemas.microsoft.com/office/drawing/2014/main" id="{589F7C0B-8BA5-3BD7-4A2C-FA4BBC3B74B5}"/>
               </a:ext>
             </a:extLst>
           </p:cNvPr>
@@ -5291,7 +5292,7 @@
           <p:cNvPr id="7" name="TextBox 6">
             <a:extLst>
               <a:ext uri="{FF2B5EF4-FFF2-40B4-BE49-F238E27FC236}">
-                <a16:creationId xmlns:a16="http://schemas.microsoft.com/office/drawing/2014/main" xmlns="" id="{66D361DF-4053-70F3-3A59-1858DCB0B4A2}"/>
+                <a16:creationId xmlns="" xmlns:a16="http://schemas.microsoft.com/office/drawing/2014/main" id="{66D361DF-4053-70F3-3A59-1858DCB0B4A2}"/>
               </a:ext>
             </a:extLst>
           </p:cNvPr>
@@ -5420,7 +5421,7 @@
           <p:cNvPr id="4" name="Title 1">
             <a:extLst>
               <a:ext uri="{FF2B5EF4-FFF2-40B4-BE49-F238E27FC236}">
-                <a16:creationId xmlns:a16="http://schemas.microsoft.com/office/drawing/2014/main" xmlns="" id="{CA898552-904F-FBAC-AADE-58BB375A8B18}"/>
+                <a16:creationId xmlns="" xmlns:a16="http://schemas.microsoft.com/office/drawing/2014/main" id="{CA898552-904F-FBAC-AADE-58BB375A8B18}"/>
               </a:ext>
             </a:extLst>
           </p:cNvPr>
@@ -5482,7 +5483,7 @@
           <p:cNvPr id="5" name="Rectangle 4">
             <a:extLst>
               <a:ext uri="{FF2B5EF4-FFF2-40B4-BE49-F238E27FC236}">
-                <a16:creationId xmlns:a16="http://schemas.microsoft.com/office/drawing/2014/main" xmlns="" id="{0AD3A70E-0EB6-00C2-F33F-045C421DA2FA}"/>
+                <a16:creationId xmlns="" xmlns:a16="http://schemas.microsoft.com/office/drawing/2014/main" id="{0AD3A70E-0EB6-00C2-F33F-045C421DA2FA}"/>
               </a:ext>
             </a:extLst>
           </p:cNvPr>
@@ -5568,7 +5569,7 @@
           <p:cNvPr id="2" name="Title 1">
             <a:extLst>
               <a:ext uri="{FF2B5EF4-FFF2-40B4-BE49-F238E27FC236}">
-                <a16:creationId xmlns:a16="http://schemas.microsoft.com/office/drawing/2014/main" xmlns="" id="{589F7C0B-8BA5-3BD7-4A2C-FA4BBC3B74B5}"/>
+                <a16:creationId xmlns="" xmlns:a16="http://schemas.microsoft.com/office/drawing/2014/main" id="{589F7C0B-8BA5-3BD7-4A2C-FA4BBC3B74B5}"/>
               </a:ext>
             </a:extLst>
           </p:cNvPr>
@@ -5608,7 +5609,7 @@
           <p:cNvPr id="7" name="TextBox 6">
             <a:extLst>
               <a:ext uri="{FF2B5EF4-FFF2-40B4-BE49-F238E27FC236}">
-                <a16:creationId xmlns:a16="http://schemas.microsoft.com/office/drawing/2014/main" xmlns="" id="{66D361DF-4053-70F3-3A59-1858DCB0B4A2}"/>
+                <a16:creationId xmlns="" xmlns:a16="http://schemas.microsoft.com/office/drawing/2014/main" id="{66D361DF-4053-70F3-3A59-1858DCB0B4A2}"/>
               </a:ext>
             </a:extLst>
           </p:cNvPr>
@@ -5751,7 +5752,7 @@
           <p:cNvPr id="4" name="Title 1">
             <a:extLst>
               <a:ext uri="{FF2B5EF4-FFF2-40B4-BE49-F238E27FC236}">
-                <a16:creationId xmlns:a16="http://schemas.microsoft.com/office/drawing/2014/main" xmlns="" id="{CA898552-904F-FBAC-AADE-58BB375A8B18}"/>
+                <a16:creationId xmlns="" xmlns:a16="http://schemas.microsoft.com/office/drawing/2014/main" id="{CA898552-904F-FBAC-AADE-58BB375A8B18}"/>
               </a:ext>
             </a:extLst>
           </p:cNvPr>
@@ -5813,7 +5814,7 @@
           <p:cNvPr id="5" name="Rectangle 4">
             <a:extLst>
               <a:ext uri="{FF2B5EF4-FFF2-40B4-BE49-F238E27FC236}">
-                <a16:creationId xmlns:a16="http://schemas.microsoft.com/office/drawing/2014/main" xmlns="" id="{0AD3A70E-0EB6-00C2-F33F-045C421DA2FA}"/>
+                <a16:creationId xmlns="" xmlns:a16="http://schemas.microsoft.com/office/drawing/2014/main" id="{0AD3A70E-0EB6-00C2-F33F-045C421DA2FA}"/>
               </a:ext>
             </a:extLst>
           </p:cNvPr>
@@ -5899,7 +5900,7 @@
           <p:cNvPr id="2" name="Title 1">
             <a:extLst>
               <a:ext uri="{FF2B5EF4-FFF2-40B4-BE49-F238E27FC236}">
-                <a16:creationId xmlns:a16="http://schemas.microsoft.com/office/drawing/2014/main" xmlns="" id="{589F7C0B-8BA5-3BD7-4A2C-FA4BBC3B74B5}"/>
+                <a16:creationId xmlns="" xmlns:a16="http://schemas.microsoft.com/office/drawing/2014/main" id="{589F7C0B-8BA5-3BD7-4A2C-FA4BBC3B74B5}"/>
               </a:ext>
             </a:extLst>
           </p:cNvPr>
@@ -5939,7 +5940,7 @@
           <p:cNvPr id="7" name="TextBox 6">
             <a:extLst>
               <a:ext uri="{FF2B5EF4-FFF2-40B4-BE49-F238E27FC236}">
-                <a16:creationId xmlns:a16="http://schemas.microsoft.com/office/drawing/2014/main" xmlns="" id="{66D361DF-4053-70F3-3A59-1858DCB0B4A2}"/>
+                <a16:creationId xmlns="" xmlns:a16="http://schemas.microsoft.com/office/drawing/2014/main" id="{66D361DF-4053-70F3-3A59-1858DCB0B4A2}"/>
               </a:ext>
             </a:extLst>
           </p:cNvPr>
@@ -6034,7 +6035,7 @@
           <p:cNvPr id="4" name="Title 1">
             <a:extLst>
               <a:ext uri="{FF2B5EF4-FFF2-40B4-BE49-F238E27FC236}">
-                <a16:creationId xmlns:a16="http://schemas.microsoft.com/office/drawing/2014/main" xmlns="" id="{CA898552-904F-FBAC-AADE-58BB375A8B18}"/>
+                <a16:creationId xmlns="" xmlns:a16="http://schemas.microsoft.com/office/drawing/2014/main" id="{CA898552-904F-FBAC-AADE-58BB375A8B18}"/>
               </a:ext>
             </a:extLst>
           </p:cNvPr>
@@ -6096,7 +6097,7 @@
           <p:cNvPr id="5" name="Rectangle 4">
             <a:extLst>
               <a:ext uri="{FF2B5EF4-FFF2-40B4-BE49-F238E27FC236}">
-                <a16:creationId xmlns:a16="http://schemas.microsoft.com/office/drawing/2014/main" xmlns="" id="{0AD3A70E-0EB6-00C2-F33F-045C421DA2FA}"/>
+                <a16:creationId xmlns="" xmlns:a16="http://schemas.microsoft.com/office/drawing/2014/main" id="{0AD3A70E-0EB6-00C2-F33F-045C421DA2FA}"/>
               </a:ext>
             </a:extLst>
           </p:cNvPr>
@@ -6182,7 +6183,7 @@
           <p:cNvPr id="2" name="Title 1">
             <a:extLst>
               <a:ext uri="{FF2B5EF4-FFF2-40B4-BE49-F238E27FC236}">
-                <a16:creationId xmlns:a16="http://schemas.microsoft.com/office/drawing/2014/main" xmlns="" id="{589F7C0B-8BA5-3BD7-4A2C-FA4BBC3B74B5}"/>
+                <a16:creationId xmlns="" xmlns:a16="http://schemas.microsoft.com/office/drawing/2014/main" id="{589F7C0B-8BA5-3BD7-4A2C-FA4BBC3B74B5}"/>
               </a:ext>
             </a:extLst>
           </p:cNvPr>
@@ -6222,7 +6223,7 @@
           <p:cNvPr id="4" name="Title 1">
             <a:extLst>
               <a:ext uri="{FF2B5EF4-FFF2-40B4-BE49-F238E27FC236}">
-                <a16:creationId xmlns:a16="http://schemas.microsoft.com/office/drawing/2014/main" xmlns="" id="{CA898552-904F-FBAC-AADE-58BB375A8B18}"/>
+                <a16:creationId xmlns="" xmlns:a16="http://schemas.microsoft.com/office/drawing/2014/main" id="{CA898552-904F-FBAC-AADE-58BB375A8B18}"/>
               </a:ext>
             </a:extLst>
           </p:cNvPr>
@@ -6284,7 +6285,7 @@
           <p:cNvPr id="5" name="Rectangle 4">
             <a:extLst>
               <a:ext uri="{FF2B5EF4-FFF2-40B4-BE49-F238E27FC236}">
-                <a16:creationId xmlns:a16="http://schemas.microsoft.com/office/drawing/2014/main" xmlns="" id="{0AD3A70E-0EB6-00C2-F33F-045C421DA2FA}"/>
+                <a16:creationId xmlns="" xmlns:a16="http://schemas.microsoft.com/office/drawing/2014/main" id="{0AD3A70E-0EB6-00C2-F33F-045C421DA2FA}"/>
               </a:ext>
             </a:extLst>
           </p:cNvPr>
@@ -6333,7 +6334,7 @@
           <p:cNvPr id="6" name="TextBox 5">
             <a:extLst>
               <a:ext uri="{FF2B5EF4-FFF2-40B4-BE49-F238E27FC236}">
-                <a16:creationId xmlns:a16="http://schemas.microsoft.com/office/drawing/2014/main" xmlns="" id="{66D361DF-4053-70F3-3A59-1858DCB0B4A2}"/>
+                <a16:creationId xmlns="" xmlns:a16="http://schemas.microsoft.com/office/drawing/2014/main" id="{66D361DF-4053-70F3-3A59-1858DCB0B4A2}"/>
               </a:ext>
             </a:extLst>
           </p:cNvPr>
@@ -6489,7 +6490,7 @@
           <p:cNvPr id="2050" name="Picture 2" descr="Worship Leaders Hit with Pandemic Burnout - Christianity Today">
             <a:extLst>
               <a:ext uri="{FF2B5EF4-FFF2-40B4-BE49-F238E27FC236}">
-                <a16:creationId xmlns:a16="http://schemas.microsoft.com/office/drawing/2014/main" xmlns="" id="{9C9E3673-28EC-CAF8-E827-0EAAA8047C57}"/>
+                <a16:creationId xmlns="" xmlns:a16="http://schemas.microsoft.com/office/drawing/2014/main" id="{9C9E3673-28EC-CAF8-E827-0EAAA8047C57}"/>
               </a:ext>
             </a:extLst>
           </p:cNvPr>
@@ -6536,7 +6537,7 @@
           <p:cNvPr id="6" name="Title 1">
             <a:extLst>
               <a:ext uri="{FF2B5EF4-FFF2-40B4-BE49-F238E27FC236}">
-                <a16:creationId xmlns:a16="http://schemas.microsoft.com/office/drawing/2014/main" xmlns="" id="{A5DF57C8-1FD8-1BAD-837B-C79156909BFF}"/>
+                <a16:creationId xmlns="" xmlns:a16="http://schemas.microsoft.com/office/drawing/2014/main" id="{A5DF57C8-1FD8-1BAD-837B-C79156909BFF}"/>
               </a:ext>
             </a:extLst>
           </p:cNvPr>
@@ -6598,7 +6599,7 @@
           <p:cNvPr id="7" name="Rectangle 6">
             <a:extLst>
               <a:ext uri="{FF2B5EF4-FFF2-40B4-BE49-F238E27FC236}">
-                <a16:creationId xmlns:a16="http://schemas.microsoft.com/office/drawing/2014/main" xmlns="" id="{2C9FC61B-464F-B6A9-75D3-75A7F7108CED}"/>
+                <a16:creationId xmlns="" xmlns:a16="http://schemas.microsoft.com/office/drawing/2014/main" id="{2C9FC61B-464F-B6A9-75D3-75A7F7108CED}"/>
               </a:ext>
             </a:extLst>
           </p:cNvPr>
@@ -6688,7 +6689,7 @@
           <p:cNvPr id="8" name="Title 1">
             <a:extLst>
               <a:ext uri="{FF2B5EF4-FFF2-40B4-BE49-F238E27FC236}">
-                <a16:creationId xmlns:a16="http://schemas.microsoft.com/office/drawing/2014/main" xmlns="" id="{589F7C0B-8BA5-3BD7-4A2C-FA4BBC3B74B5}"/>
+                <a16:creationId xmlns="" xmlns:a16="http://schemas.microsoft.com/office/drawing/2014/main" id="{589F7C0B-8BA5-3BD7-4A2C-FA4BBC3B74B5}"/>
               </a:ext>
             </a:extLst>
           </p:cNvPr>
@@ -6733,6 +6734,259 @@
     <p:extLst>
       <p:ext uri="{BB962C8B-B14F-4D97-AF65-F5344CB8AC3E}">
         <p14:creationId xmlns:p14="http://schemas.microsoft.com/office/powerpoint/2010/main" val="1634945246"/>
+      </p:ext>
+    </p:extLst>
+  </p:cSld>
+  <p:clrMapOvr>
+    <a:masterClrMapping/>
+  </p:clrMapOvr>
+  <p:timing>
+    <p:tnLst>
+      <p:par>
+        <p:cTn id="1" dur="indefinite" restart="never" nodeType="tmRoot"/>
+      </p:par>
+    </p:tnLst>
+  </p:timing>
+</p:sld>
+</file>
+
+<file path=ppt/slides/slide19.xml><?xml version="1.0" encoding="utf-8"?>
+<p:sld xmlns:a="http://schemas.openxmlformats.org/drawingml/2006/main" xmlns:r="http://schemas.openxmlformats.org/officeDocument/2006/relationships" xmlns:p="http://schemas.openxmlformats.org/presentationml/2006/main">
+  <p:cSld>
+    <p:spTree>
+      <p:nvGrpSpPr>
+        <p:cNvPr id="1" name=""/>
+        <p:cNvGrpSpPr/>
+        <p:nvPr/>
+      </p:nvGrpSpPr>
+      <p:grpSpPr>
+        <a:xfrm>
+          <a:off x="0" y="0"/>
+          <a:ext cx="0" cy="0"/>
+          <a:chOff x="0" y="0"/>
+          <a:chExt cx="0" cy="0"/>
+        </a:xfrm>
+      </p:grpSpPr>
+      <p:sp>
+        <p:nvSpPr>
+          <p:cNvPr id="2" name="Title 1">
+            <a:extLst>
+              <a:ext uri="{FF2B5EF4-FFF2-40B4-BE49-F238E27FC236}">
+                <a16:creationId xmlns="" xmlns:a16="http://schemas.microsoft.com/office/drawing/2014/main" id="{589F7C0B-8BA5-3BD7-4A2C-FA4BBC3B74B5}"/>
+              </a:ext>
+            </a:extLst>
+          </p:cNvPr>
+          <p:cNvSpPr>
+            <a:spLocks noGrp="1"/>
+          </p:cNvSpPr>
+          <p:nvPr>
+            <p:ph type="title"/>
+          </p:nvPr>
+        </p:nvSpPr>
+        <p:spPr>
+          <a:xfrm>
+            <a:off x="1097280" y="956733"/>
+            <a:ext cx="10058400" cy="780627"/>
+          </a:xfrm>
+        </p:spPr>
+        <p:txBody>
+          <a:bodyPr>
+            <a:normAutofit/>
+          </a:bodyPr>
+          <a:lstStyle/>
+          <a:p>
+            <a:r>
+              <a:rPr lang="en-US" sz="3600" dirty="0" smtClean="0">
+                <a:latin typeface="SF Compact Display" panose="02000000000000000000" pitchFamily="50" charset="0"/>
+              </a:rPr>
+              <a:t>Life as a Worship Leader</a:t>
+            </a:r>
+            <a:endParaRPr lang="vi-VN" sz="3600" dirty="0">
+              <a:latin typeface="SF Compact Display" panose="02000000000000000000" pitchFamily="50" charset="0"/>
+            </a:endParaRPr>
+          </a:p>
+        </p:txBody>
+      </p:sp>
+      <p:sp>
+        <p:nvSpPr>
+          <p:cNvPr id="4" name="Title 1">
+            <a:extLst>
+              <a:ext uri="{FF2B5EF4-FFF2-40B4-BE49-F238E27FC236}">
+                <a16:creationId xmlns="" xmlns:a16="http://schemas.microsoft.com/office/drawing/2014/main" id="{CA898552-904F-FBAC-AADE-58BB375A8B18}"/>
+              </a:ext>
+            </a:extLst>
+          </p:cNvPr>
+          <p:cNvSpPr txBox="1">
+            <a:spLocks/>
+          </p:cNvSpPr>
+          <p:nvPr/>
+        </p:nvSpPr>
+        <p:spPr>
+          <a:xfrm>
+            <a:off x="321733" y="86730"/>
+            <a:ext cx="10058400" cy="780627"/>
+          </a:xfrm>
+          <a:prstGeom prst="rect">
+            <a:avLst/>
+          </a:prstGeom>
+        </p:spPr>
+        <p:txBody>
+          <a:bodyPr vert="horz" lIns="91440" tIns="45720" rIns="91440" bIns="45720" rtlCol="0" anchor="b">
+            <a:normAutofit/>
+          </a:bodyPr>
+          <a:lstStyle>
+            <a:lvl1pPr marL="0" algn="l" defTabSz="914400" rtl="0" eaLnBrk="1" latinLnBrk="0" hangingPunct="1">
+              <a:lnSpc>
+                <a:spcPct val="85000"/>
+              </a:lnSpc>
+              <a:spcBef>
+                <a:spcPct val="0"/>
+              </a:spcBef>
+              <a:buNone/>
+              <a:defRPr sz="4800" kern="1200" spc="-50" baseline="0">
+                <a:solidFill>
+                  <a:schemeClr val="tx1">
+                    <a:lumMod val="75000"/>
+                    <a:lumOff val="25000"/>
+                  </a:schemeClr>
+                </a:solidFill>
+                <a:latin typeface="+mj-lt"/>
+                <a:ea typeface="+mj-ea"/>
+                <a:cs typeface="+mj-cs"/>
+              </a:defRPr>
+            </a:lvl1pPr>
+          </a:lstStyle>
+          <a:p>
+            <a:r>
+              <a:rPr lang="en-US" b="1" dirty="0">
+                <a:latin typeface="SF Compact Display" panose="02000000000000000000" pitchFamily="50" charset="0"/>
+              </a:rPr>
+              <a:t>To be worshiper</a:t>
+            </a:r>
+            <a:endParaRPr lang="vi-VN" b="1" dirty="0">
+              <a:latin typeface="SF Compact Display" panose="02000000000000000000" pitchFamily="50" charset="0"/>
+            </a:endParaRPr>
+          </a:p>
+        </p:txBody>
+      </p:sp>
+      <p:sp>
+        <p:nvSpPr>
+          <p:cNvPr id="5" name="Rectangle 4">
+            <a:extLst>
+              <a:ext uri="{FF2B5EF4-FFF2-40B4-BE49-F238E27FC236}">
+                <a16:creationId xmlns="" xmlns:a16="http://schemas.microsoft.com/office/drawing/2014/main" id="{0AD3A70E-0EB6-00C2-F33F-045C421DA2FA}"/>
+              </a:ext>
+            </a:extLst>
+          </p:cNvPr>
+          <p:cNvSpPr/>
+          <p:nvPr/>
+        </p:nvSpPr>
+        <p:spPr>
+          <a:xfrm>
+            <a:off x="321733" y="825022"/>
+            <a:ext cx="11667067" cy="36000"/>
+          </a:xfrm>
+          <a:prstGeom prst="rect">
+            <a:avLst/>
+          </a:prstGeom>
+          <a:ln w="6350">
+            <a:noFill/>
+          </a:ln>
+        </p:spPr>
+        <p:style>
+          <a:lnRef idx="2">
+            <a:schemeClr val="accent1">
+              <a:shade val="15000"/>
+            </a:schemeClr>
+          </a:lnRef>
+          <a:fillRef idx="1">
+            <a:schemeClr val="accent1"/>
+          </a:fillRef>
+          <a:effectRef idx="0">
+            <a:schemeClr val="accent1"/>
+          </a:effectRef>
+          <a:fontRef idx="minor">
+            <a:schemeClr val="lt1"/>
+          </a:fontRef>
+        </p:style>
+        <p:txBody>
+          <a:bodyPr rtlCol="0" anchor="ctr"/>
+          <a:lstStyle/>
+          <a:p>
+            <a:pPr algn="ctr"/>
+            <a:endParaRPr lang="vi-VN"/>
+          </a:p>
+        </p:txBody>
+      </p:sp>
+      <p:sp>
+        <p:nvSpPr>
+          <p:cNvPr id="6" name="TextBox 5">
+            <a:extLst>
+              <a:ext uri="{FF2B5EF4-FFF2-40B4-BE49-F238E27FC236}">
+                <a16:creationId xmlns="" xmlns:a16="http://schemas.microsoft.com/office/drawing/2014/main" id="{66D361DF-4053-70F3-3A59-1858DCB0B4A2}"/>
+              </a:ext>
+            </a:extLst>
+          </p:cNvPr>
+          <p:cNvSpPr txBox="1"/>
+          <p:nvPr/>
+        </p:nvSpPr>
+        <p:spPr>
+          <a:xfrm>
+            <a:off x="1097280" y="1826736"/>
+            <a:ext cx="10058400" cy="3970318"/>
+          </a:xfrm>
+          <a:prstGeom prst="rect">
+            <a:avLst/>
+          </a:prstGeom>
+          <a:noFill/>
+        </p:spPr>
+        <p:txBody>
+          <a:bodyPr wrap="square">
+            <a:spAutoFit/>
+          </a:bodyPr>
+          <a:lstStyle/>
+          <a:p>
+            <a:pPr algn="just">
+              <a:lnSpc>
+                <a:spcPct val="150000"/>
+              </a:lnSpc>
+            </a:pPr>
+            <a:r>
+              <a:rPr lang="en-US" sz="2400" dirty="0">
+                <a:latin typeface="SF Compact Text" panose="02000000000000000000" pitchFamily="50" charset="0"/>
+                <a:cs typeface="SF Mono Heavy" panose="02000000000000000000" pitchFamily="50" charset="0"/>
+              </a:rPr>
+              <a:t>“Becoming a worship pastor or worship leader is a calling. If you are looking to lead people toward a more fulfilling relationship with God, then you should consider a career as a worship leader. Being a worship leader is about helping the people in your congregation grow closer to God through music, worship and community.. </a:t>
+            </a:r>
+            <a:r>
+              <a:rPr lang="en-US" sz="2400" dirty="0" smtClean="0">
+                <a:latin typeface="SF Compact Text" panose="02000000000000000000" pitchFamily="50" charset="0"/>
+                <a:cs typeface="SF Mono Heavy" panose="02000000000000000000" pitchFamily="50" charset="0"/>
+              </a:rPr>
+              <a:t>”</a:t>
+            </a:r>
+          </a:p>
+          <a:p>
+            <a:pPr algn="just">
+              <a:lnSpc>
+                <a:spcPct val="150000"/>
+              </a:lnSpc>
+            </a:pPr>
+            <a:r>
+              <a:rPr lang="en-US" sz="2400" i="1" dirty="0" smtClean="0"/>
+              <a:t>- Grand Canyon University</a:t>
+            </a:r>
+            <a:endParaRPr lang="en-US" sz="2400" i="1" dirty="0">
+              <a:latin typeface="SF Compact Text" panose="02000000000000000000" pitchFamily="50" charset="0"/>
+              <a:cs typeface="SF Mono Heavy" panose="02000000000000000000" pitchFamily="50" charset="0"/>
+            </a:endParaRPr>
+          </a:p>
+        </p:txBody>
+      </p:sp>
+    </p:spTree>
+    <p:extLst>
+      <p:ext uri="{BB962C8B-B14F-4D97-AF65-F5344CB8AC3E}">
+        <p14:creationId xmlns:p14="http://schemas.microsoft.com/office/powerpoint/2010/main" val="1502481226"/>
       </p:ext>
     </p:extLst>
   </p:cSld>
@@ -6771,7 +7025,7 @@
           <p:cNvPr id="2" name="Title 1">
             <a:extLst>
               <a:ext uri="{FF2B5EF4-FFF2-40B4-BE49-F238E27FC236}">
-                <a16:creationId xmlns:a16="http://schemas.microsoft.com/office/drawing/2014/main" xmlns="" id="{DCFF75B8-204A-1DF0-6732-31E230346EE7}"/>
+                <a16:creationId xmlns="" xmlns:a16="http://schemas.microsoft.com/office/drawing/2014/main" id="{DCFF75B8-204A-1DF0-6732-31E230346EE7}"/>
               </a:ext>
             </a:extLst>
           </p:cNvPr>
@@ -6804,7 +7058,7 @@
           <p:cNvPr id="15" name="Group 14">
             <a:extLst>
               <a:ext uri="{FF2B5EF4-FFF2-40B4-BE49-F238E27FC236}">
-                <a16:creationId xmlns:a16="http://schemas.microsoft.com/office/drawing/2014/main" xmlns="" id="{5092E4F3-B6E8-415F-4498-AB836AFEBB40}"/>
+                <a16:creationId xmlns="" xmlns:a16="http://schemas.microsoft.com/office/drawing/2014/main" id="{5092E4F3-B6E8-415F-4498-AB836AFEBB40}"/>
               </a:ext>
             </a:extLst>
           </p:cNvPr>
@@ -6824,7 +7078,7 @@
             <p:cNvPr id="5" name="Rectangle: Single Corner Snipped 4">
               <a:extLst>
                 <a:ext uri="{FF2B5EF4-FFF2-40B4-BE49-F238E27FC236}">
-                  <a16:creationId xmlns:a16="http://schemas.microsoft.com/office/drawing/2014/main" xmlns="" id="{467FFF8F-810E-15FD-BE37-469B8D728472}"/>
+                  <a16:creationId xmlns="" xmlns:a16="http://schemas.microsoft.com/office/drawing/2014/main" id="{467FFF8F-810E-15FD-BE37-469B8D728472}"/>
                 </a:ext>
               </a:extLst>
             </p:cNvPr>
@@ -6895,7 +7149,7 @@
             <p:cNvPr id="6" name="Arrow: Pentagon 5">
               <a:extLst>
                 <a:ext uri="{FF2B5EF4-FFF2-40B4-BE49-F238E27FC236}">
-                  <a16:creationId xmlns:a16="http://schemas.microsoft.com/office/drawing/2014/main" xmlns="" id="{7CEA70F0-6E5E-5081-CDBC-D881B2AE84E7}"/>
+                  <a16:creationId xmlns="" xmlns:a16="http://schemas.microsoft.com/office/drawing/2014/main" id="{7CEA70F0-6E5E-5081-CDBC-D881B2AE84E7}"/>
                 </a:ext>
               </a:extLst>
             </p:cNvPr>
@@ -6982,7 +7236,7 @@
             <p:cNvPr id="7" name="Arrow: Pentagon 6">
               <a:extLst>
                 <a:ext uri="{FF2B5EF4-FFF2-40B4-BE49-F238E27FC236}">
-                  <a16:creationId xmlns:a16="http://schemas.microsoft.com/office/drawing/2014/main" xmlns="" id="{0E2E4713-C4E1-F518-013C-E2C2BABD06B6}"/>
+                  <a16:creationId xmlns="" xmlns:a16="http://schemas.microsoft.com/office/drawing/2014/main" id="{0E2E4713-C4E1-F518-013C-E2C2BABD06B6}"/>
                 </a:ext>
               </a:extLst>
             </p:cNvPr>
@@ -7070,7 +7324,7 @@
           <p:cNvPr id="14" name="Group 13">
             <a:extLst>
               <a:ext uri="{FF2B5EF4-FFF2-40B4-BE49-F238E27FC236}">
-                <a16:creationId xmlns:a16="http://schemas.microsoft.com/office/drawing/2014/main" xmlns="" id="{91A49C7A-C897-8AF9-8839-0AF592F4052D}"/>
+                <a16:creationId xmlns="" xmlns:a16="http://schemas.microsoft.com/office/drawing/2014/main" id="{91A49C7A-C897-8AF9-8839-0AF592F4052D}"/>
               </a:ext>
             </a:extLst>
           </p:cNvPr>
@@ -7090,7 +7344,7 @@
             <p:cNvPr id="10" name="Rectangle: Single Corner Snipped 9">
               <a:extLst>
                 <a:ext uri="{FF2B5EF4-FFF2-40B4-BE49-F238E27FC236}">
-                  <a16:creationId xmlns:a16="http://schemas.microsoft.com/office/drawing/2014/main" xmlns="" id="{F9F564A9-2C57-CF2F-ADAB-3295FC77D9F3}"/>
+                  <a16:creationId xmlns="" xmlns:a16="http://schemas.microsoft.com/office/drawing/2014/main" id="{F9F564A9-2C57-CF2F-ADAB-3295FC77D9F3}"/>
                 </a:ext>
               </a:extLst>
             </p:cNvPr>
@@ -7161,7 +7415,7 @@
             <p:cNvPr id="11" name="Arrow: Pentagon 10">
               <a:extLst>
                 <a:ext uri="{FF2B5EF4-FFF2-40B4-BE49-F238E27FC236}">
-                  <a16:creationId xmlns:a16="http://schemas.microsoft.com/office/drawing/2014/main" xmlns="" id="{3564E051-EE43-2791-2278-2F956DEA3480}"/>
+                  <a16:creationId xmlns="" xmlns:a16="http://schemas.microsoft.com/office/drawing/2014/main" id="{3564E051-EE43-2791-2278-2F956DEA3480}"/>
                 </a:ext>
               </a:extLst>
             </p:cNvPr>
@@ -7248,7 +7502,7 @@
             <p:cNvPr id="12" name="Arrow: Pentagon 11">
               <a:extLst>
                 <a:ext uri="{FF2B5EF4-FFF2-40B4-BE49-F238E27FC236}">
-                  <a16:creationId xmlns:a16="http://schemas.microsoft.com/office/drawing/2014/main" xmlns="" id="{AFF001AB-A04B-41FC-789E-44E62EB7B10D}"/>
+                  <a16:creationId xmlns="" xmlns:a16="http://schemas.microsoft.com/office/drawing/2014/main" id="{AFF001AB-A04B-41FC-789E-44E62EB7B10D}"/>
                 </a:ext>
               </a:extLst>
             </p:cNvPr>
@@ -7335,7 +7589,7 @@
             <p:cNvPr id="13" name="Arrow: Pentagon 12">
               <a:extLst>
                 <a:ext uri="{FF2B5EF4-FFF2-40B4-BE49-F238E27FC236}">
-                  <a16:creationId xmlns:a16="http://schemas.microsoft.com/office/drawing/2014/main" xmlns="" id="{EA459E9A-844D-3A41-7670-ECD8270DE58F}"/>
+                  <a16:creationId xmlns="" xmlns:a16="http://schemas.microsoft.com/office/drawing/2014/main" id="{EA459E9A-844D-3A41-7670-ECD8270DE58F}"/>
                 </a:ext>
               </a:extLst>
             </p:cNvPr>
@@ -7423,7 +7677,7 @@
           <p:cNvPr id="1026" name="Picture 2" descr="10 Things Yahweh Means That Many People Don't Know">
             <a:extLst>
               <a:ext uri="{FF2B5EF4-FFF2-40B4-BE49-F238E27FC236}">
-                <a16:creationId xmlns:a16="http://schemas.microsoft.com/office/drawing/2014/main" xmlns="" id="{1C2AABDB-7D6C-46E3-4783-8B280FF335D3}"/>
+                <a16:creationId xmlns="" xmlns:a16="http://schemas.microsoft.com/office/drawing/2014/main" id="{1C2AABDB-7D6C-46E3-4783-8B280FF335D3}"/>
               </a:ext>
             </a:extLst>
           </p:cNvPr>
@@ -7468,7 +7722,7 @@
           <p:cNvPr id="1028" name="Picture 4" descr="Christ Has Died, Christ Is Risen, Christ Will Come Again! | Trinity  Lutheran Church -- Algona, Iowa">
             <a:extLst>
               <a:ext uri="{FF2B5EF4-FFF2-40B4-BE49-F238E27FC236}">
-                <a16:creationId xmlns:a16="http://schemas.microsoft.com/office/drawing/2014/main" xmlns="" id="{EA175EBD-64C7-1A92-159E-121D01B2BEEE}"/>
+                <a16:creationId xmlns="" xmlns:a16="http://schemas.microsoft.com/office/drawing/2014/main" id="{EA175EBD-64C7-1A92-159E-121D01B2BEEE}"/>
               </a:ext>
             </a:extLst>
           </p:cNvPr>
@@ -7552,7 +7806,7 @@
           <p:cNvPr id="2" name="Title 1">
             <a:extLst>
               <a:ext uri="{FF2B5EF4-FFF2-40B4-BE49-F238E27FC236}">
-                <a16:creationId xmlns:a16="http://schemas.microsoft.com/office/drawing/2014/main" xmlns="" id="{589F7C0B-8BA5-3BD7-4A2C-FA4BBC3B74B5}"/>
+                <a16:creationId xmlns="" xmlns:a16="http://schemas.microsoft.com/office/drawing/2014/main" id="{589F7C0B-8BA5-3BD7-4A2C-FA4BBC3B74B5}"/>
               </a:ext>
             </a:extLst>
           </p:cNvPr>
@@ -7592,7 +7846,7 @@
           <p:cNvPr id="7" name="TextBox 6">
             <a:extLst>
               <a:ext uri="{FF2B5EF4-FFF2-40B4-BE49-F238E27FC236}">
-                <a16:creationId xmlns:a16="http://schemas.microsoft.com/office/drawing/2014/main" xmlns="" id="{66D361DF-4053-70F3-3A59-1858DCB0B4A2}"/>
+                <a16:creationId xmlns="" xmlns:a16="http://schemas.microsoft.com/office/drawing/2014/main" id="{66D361DF-4053-70F3-3A59-1858DCB0B4A2}"/>
               </a:ext>
             </a:extLst>
           </p:cNvPr>
@@ -7661,7 +7915,7 @@
           <p:cNvPr id="3" name="Rectangle 2">
             <a:extLst>
               <a:ext uri="{FF2B5EF4-FFF2-40B4-BE49-F238E27FC236}">
-                <a16:creationId xmlns:a16="http://schemas.microsoft.com/office/drawing/2014/main" xmlns="" id="{ACD3F802-E698-A02D-B86A-FFAA681B311F}"/>
+                <a16:creationId xmlns="" xmlns:a16="http://schemas.microsoft.com/office/drawing/2014/main" id="{ACD3F802-E698-A02D-B86A-FFAA681B311F}"/>
               </a:ext>
             </a:extLst>
           </p:cNvPr>
@@ -7710,7 +7964,7 @@
           <p:cNvPr id="4" name="Title 1">
             <a:extLst>
               <a:ext uri="{FF2B5EF4-FFF2-40B4-BE49-F238E27FC236}">
-                <a16:creationId xmlns:a16="http://schemas.microsoft.com/office/drawing/2014/main" xmlns="" id="{CA898552-904F-FBAC-AADE-58BB375A8B18}"/>
+                <a16:creationId xmlns="" xmlns:a16="http://schemas.microsoft.com/office/drawing/2014/main" id="{CA898552-904F-FBAC-AADE-58BB375A8B18}"/>
               </a:ext>
             </a:extLst>
           </p:cNvPr>
@@ -7802,7 +8056,7 @@
           <p:cNvPr id="2" name="Title 1">
             <a:extLst>
               <a:ext uri="{FF2B5EF4-FFF2-40B4-BE49-F238E27FC236}">
-                <a16:creationId xmlns:a16="http://schemas.microsoft.com/office/drawing/2014/main" xmlns="" id="{589F7C0B-8BA5-3BD7-4A2C-FA4BBC3B74B5}"/>
+                <a16:creationId xmlns="" xmlns:a16="http://schemas.microsoft.com/office/drawing/2014/main" id="{589F7C0B-8BA5-3BD7-4A2C-FA4BBC3B74B5}"/>
               </a:ext>
             </a:extLst>
           </p:cNvPr>
@@ -7842,7 +8096,7 @@
           <p:cNvPr id="3" name="Rectangle 2">
             <a:extLst>
               <a:ext uri="{FF2B5EF4-FFF2-40B4-BE49-F238E27FC236}">
-                <a16:creationId xmlns:a16="http://schemas.microsoft.com/office/drawing/2014/main" xmlns="" id="{ACD3F802-E698-A02D-B86A-FFAA681B311F}"/>
+                <a16:creationId xmlns="" xmlns:a16="http://schemas.microsoft.com/office/drawing/2014/main" id="{ACD3F802-E698-A02D-B86A-FFAA681B311F}"/>
               </a:ext>
             </a:extLst>
           </p:cNvPr>
@@ -7891,7 +8145,7 @@
           <p:cNvPr id="4" name="Title 1">
             <a:extLst>
               <a:ext uri="{FF2B5EF4-FFF2-40B4-BE49-F238E27FC236}">
-                <a16:creationId xmlns:a16="http://schemas.microsoft.com/office/drawing/2014/main" xmlns="" id="{CA898552-904F-FBAC-AADE-58BB375A8B18}"/>
+                <a16:creationId xmlns="" xmlns:a16="http://schemas.microsoft.com/office/drawing/2014/main" id="{CA898552-904F-FBAC-AADE-58BB375A8B18}"/>
               </a:ext>
             </a:extLst>
           </p:cNvPr>
@@ -7953,7 +8207,7 @@
           <p:cNvPr id="5" name="Title 1">
             <a:extLst>
               <a:ext uri="{FF2B5EF4-FFF2-40B4-BE49-F238E27FC236}">
-                <a16:creationId xmlns:a16="http://schemas.microsoft.com/office/drawing/2014/main" xmlns="" id="{D5A1F1D4-87BE-D927-A14A-CB3B28B1F60D}"/>
+                <a16:creationId xmlns="" xmlns:a16="http://schemas.microsoft.com/office/drawing/2014/main" id="{D5A1F1D4-87BE-D927-A14A-CB3B28B1F60D}"/>
               </a:ext>
             </a:extLst>
           </p:cNvPr>
@@ -8015,7 +8269,7 @@
           <p:cNvPr id="1026" name="Picture 2" descr="Question Mark PNGs for Free Download">
             <a:extLst>
               <a:ext uri="{FF2B5EF4-FFF2-40B4-BE49-F238E27FC236}">
-                <a16:creationId xmlns:a16="http://schemas.microsoft.com/office/drawing/2014/main" xmlns="" id="{2CAFE274-1441-58FE-5CD5-8C51B62A2428}"/>
+                <a16:creationId xmlns="" xmlns:a16="http://schemas.microsoft.com/office/drawing/2014/main" id="{2CAFE274-1441-58FE-5CD5-8C51B62A2428}"/>
               </a:ext>
             </a:extLst>
           </p:cNvPr>
@@ -8062,7 +8316,7 @@
           <p:cNvPr id="6" name="Title 1">
             <a:extLst>
               <a:ext uri="{FF2B5EF4-FFF2-40B4-BE49-F238E27FC236}">
-                <a16:creationId xmlns:a16="http://schemas.microsoft.com/office/drawing/2014/main" xmlns="" id="{08FFAE53-3782-ECC9-1D62-B7E5D62F435B}"/>
+                <a16:creationId xmlns="" xmlns:a16="http://schemas.microsoft.com/office/drawing/2014/main" id="{08FFAE53-3782-ECC9-1D62-B7E5D62F435B}"/>
               </a:ext>
             </a:extLst>
           </p:cNvPr>
@@ -8124,7 +8378,7 @@
           <p:cNvPr id="10" name="Title 1">
             <a:extLst>
               <a:ext uri="{FF2B5EF4-FFF2-40B4-BE49-F238E27FC236}">
-                <a16:creationId xmlns:a16="http://schemas.microsoft.com/office/drawing/2014/main" xmlns="" id="{1DA2CCCA-2F81-496B-1A7D-3BC4F3496442}"/>
+                <a16:creationId xmlns="" xmlns:a16="http://schemas.microsoft.com/office/drawing/2014/main" id="{1DA2CCCA-2F81-496B-1A7D-3BC4F3496442}"/>
               </a:ext>
             </a:extLst>
           </p:cNvPr>
@@ -8223,7 +8477,7 @@
           <p:cNvPr id="2" name="Title 1">
             <a:extLst>
               <a:ext uri="{FF2B5EF4-FFF2-40B4-BE49-F238E27FC236}">
-                <a16:creationId xmlns:a16="http://schemas.microsoft.com/office/drawing/2014/main" xmlns="" id="{589F7C0B-8BA5-3BD7-4A2C-FA4BBC3B74B5}"/>
+                <a16:creationId xmlns="" xmlns:a16="http://schemas.microsoft.com/office/drawing/2014/main" id="{589F7C0B-8BA5-3BD7-4A2C-FA4BBC3B74B5}"/>
               </a:ext>
             </a:extLst>
           </p:cNvPr>
@@ -8263,7 +8517,7 @@
           <p:cNvPr id="4" name="Title 1">
             <a:extLst>
               <a:ext uri="{FF2B5EF4-FFF2-40B4-BE49-F238E27FC236}">
-                <a16:creationId xmlns:a16="http://schemas.microsoft.com/office/drawing/2014/main" xmlns="" id="{CA898552-904F-FBAC-AADE-58BB375A8B18}"/>
+                <a16:creationId xmlns="" xmlns:a16="http://schemas.microsoft.com/office/drawing/2014/main" id="{CA898552-904F-FBAC-AADE-58BB375A8B18}"/>
               </a:ext>
             </a:extLst>
           </p:cNvPr>
@@ -8325,7 +8579,7 @@
           <p:cNvPr id="5" name="Rectangle 4">
             <a:extLst>
               <a:ext uri="{FF2B5EF4-FFF2-40B4-BE49-F238E27FC236}">
-                <a16:creationId xmlns:a16="http://schemas.microsoft.com/office/drawing/2014/main" xmlns="" id="{4EADD43D-E784-79CA-F056-D5B2983044E3}"/>
+                <a16:creationId xmlns="" xmlns:a16="http://schemas.microsoft.com/office/drawing/2014/main" id="{4EADD43D-E784-79CA-F056-D5B2983044E3}"/>
               </a:ext>
             </a:extLst>
           </p:cNvPr>
@@ -8374,7 +8628,7 @@
           <p:cNvPr id="8" name="TextBox 7">
             <a:extLst>
               <a:ext uri="{FF2B5EF4-FFF2-40B4-BE49-F238E27FC236}">
-                <a16:creationId xmlns:a16="http://schemas.microsoft.com/office/drawing/2014/main" xmlns="" id="{716ADB5C-5A63-CFDA-2185-901B7111A13A}"/>
+                <a16:creationId xmlns="" xmlns:a16="http://schemas.microsoft.com/office/drawing/2014/main" id="{716ADB5C-5A63-CFDA-2185-901B7111A13A}"/>
               </a:ext>
             </a:extLst>
           </p:cNvPr>
@@ -8425,7 +8679,7 @@
           <p:cNvPr id="9" name="TextBox 8">
             <a:extLst>
               <a:ext uri="{FF2B5EF4-FFF2-40B4-BE49-F238E27FC236}">
-                <a16:creationId xmlns:a16="http://schemas.microsoft.com/office/drawing/2014/main" xmlns="" id="{EC194959-EB7A-B755-A2AB-942CE8510E7B}"/>
+                <a16:creationId xmlns="" xmlns:a16="http://schemas.microsoft.com/office/drawing/2014/main" id="{EC194959-EB7A-B755-A2AB-942CE8510E7B}"/>
               </a:ext>
             </a:extLst>
           </p:cNvPr>
@@ -8513,7 +8767,7 @@
           <p:cNvPr id="2" name="Title 1">
             <a:extLst>
               <a:ext uri="{FF2B5EF4-FFF2-40B4-BE49-F238E27FC236}">
-                <a16:creationId xmlns:a16="http://schemas.microsoft.com/office/drawing/2014/main" xmlns="" id="{589F7C0B-8BA5-3BD7-4A2C-FA4BBC3B74B5}"/>
+                <a16:creationId xmlns="" xmlns:a16="http://schemas.microsoft.com/office/drawing/2014/main" id="{589F7C0B-8BA5-3BD7-4A2C-FA4BBC3B74B5}"/>
               </a:ext>
             </a:extLst>
           </p:cNvPr>
@@ -8553,7 +8807,7 @@
           <p:cNvPr id="7" name="TextBox 6">
             <a:extLst>
               <a:ext uri="{FF2B5EF4-FFF2-40B4-BE49-F238E27FC236}">
-                <a16:creationId xmlns:a16="http://schemas.microsoft.com/office/drawing/2014/main" xmlns="" id="{66D361DF-4053-70F3-3A59-1858DCB0B4A2}"/>
+                <a16:creationId xmlns="" xmlns:a16="http://schemas.microsoft.com/office/drawing/2014/main" id="{66D361DF-4053-70F3-3A59-1858DCB0B4A2}"/>
               </a:ext>
             </a:extLst>
           </p:cNvPr>
@@ -8685,7 +8939,7 @@
           <p:cNvPr id="4" name="Title 1">
             <a:extLst>
               <a:ext uri="{FF2B5EF4-FFF2-40B4-BE49-F238E27FC236}">
-                <a16:creationId xmlns:a16="http://schemas.microsoft.com/office/drawing/2014/main" xmlns="" id="{CA898552-904F-FBAC-AADE-58BB375A8B18}"/>
+                <a16:creationId xmlns="" xmlns:a16="http://schemas.microsoft.com/office/drawing/2014/main" id="{CA898552-904F-FBAC-AADE-58BB375A8B18}"/>
               </a:ext>
             </a:extLst>
           </p:cNvPr>
@@ -8747,7 +9001,7 @@
           <p:cNvPr id="5" name="Rectangle 4">
             <a:extLst>
               <a:ext uri="{FF2B5EF4-FFF2-40B4-BE49-F238E27FC236}">
-                <a16:creationId xmlns:a16="http://schemas.microsoft.com/office/drawing/2014/main" xmlns="" id="{4E611A24-FAE7-F22A-664C-F25B609B83E7}"/>
+                <a16:creationId xmlns="" xmlns:a16="http://schemas.microsoft.com/office/drawing/2014/main" id="{4E611A24-FAE7-F22A-664C-F25B609B83E7}"/>
               </a:ext>
             </a:extLst>
           </p:cNvPr>
@@ -8833,7 +9087,7 @@
           <p:cNvPr id="2" name="Title 1">
             <a:extLst>
               <a:ext uri="{FF2B5EF4-FFF2-40B4-BE49-F238E27FC236}">
-                <a16:creationId xmlns:a16="http://schemas.microsoft.com/office/drawing/2014/main" xmlns="" id="{589F7C0B-8BA5-3BD7-4A2C-FA4BBC3B74B5}"/>
+                <a16:creationId xmlns="" xmlns:a16="http://schemas.microsoft.com/office/drawing/2014/main" id="{589F7C0B-8BA5-3BD7-4A2C-FA4BBC3B74B5}"/>
               </a:ext>
             </a:extLst>
           </p:cNvPr>
@@ -8873,7 +9127,7 @@
           <p:cNvPr id="7" name="TextBox 6">
             <a:extLst>
               <a:ext uri="{FF2B5EF4-FFF2-40B4-BE49-F238E27FC236}">
-                <a16:creationId xmlns:a16="http://schemas.microsoft.com/office/drawing/2014/main" xmlns="" id="{66D361DF-4053-70F3-3A59-1858DCB0B4A2}"/>
+                <a16:creationId xmlns="" xmlns:a16="http://schemas.microsoft.com/office/drawing/2014/main" id="{66D361DF-4053-70F3-3A59-1858DCB0B4A2}"/>
               </a:ext>
             </a:extLst>
           </p:cNvPr>
@@ -9056,7 +9310,7 @@
           <p:cNvPr id="4" name="Title 1">
             <a:extLst>
               <a:ext uri="{FF2B5EF4-FFF2-40B4-BE49-F238E27FC236}">
-                <a16:creationId xmlns:a16="http://schemas.microsoft.com/office/drawing/2014/main" xmlns="" id="{CA898552-904F-FBAC-AADE-58BB375A8B18}"/>
+                <a16:creationId xmlns="" xmlns:a16="http://schemas.microsoft.com/office/drawing/2014/main" id="{CA898552-904F-FBAC-AADE-58BB375A8B18}"/>
               </a:ext>
             </a:extLst>
           </p:cNvPr>
@@ -9118,7 +9372,7 @@
           <p:cNvPr id="5" name="Rectangle 4">
             <a:extLst>
               <a:ext uri="{FF2B5EF4-FFF2-40B4-BE49-F238E27FC236}">
-                <a16:creationId xmlns:a16="http://schemas.microsoft.com/office/drawing/2014/main" xmlns="" id="{4E611A24-FAE7-F22A-664C-F25B609B83E7}"/>
+                <a16:creationId xmlns="" xmlns:a16="http://schemas.microsoft.com/office/drawing/2014/main" id="{4E611A24-FAE7-F22A-664C-F25B609B83E7}"/>
               </a:ext>
             </a:extLst>
           </p:cNvPr>
@@ -9204,7 +9458,7 @@
           <p:cNvPr id="2" name="Title 1">
             <a:extLst>
               <a:ext uri="{FF2B5EF4-FFF2-40B4-BE49-F238E27FC236}">
-                <a16:creationId xmlns:a16="http://schemas.microsoft.com/office/drawing/2014/main" xmlns="" id="{589F7C0B-8BA5-3BD7-4A2C-FA4BBC3B74B5}"/>
+                <a16:creationId xmlns="" xmlns:a16="http://schemas.microsoft.com/office/drawing/2014/main" id="{589F7C0B-8BA5-3BD7-4A2C-FA4BBC3B74B5}"/>
               </a:ext>
             </a:extLst>
           </p:cNvPr>
@@ -9244,7 +9498,7 @@
           <p:cNvPr id="7" name="TextBox 6">
             <a:extLst>
               <a:ext uri="{FF2B5EF4-FFF2-40B4-BE49-F238E27FC236}">
-                <a16:creationId xmlns:a16="http://schemas.microsoft.com/office/drawing/2014/main" xmlns="" id="{66D361DF-4053-70F3-3A59-1858DCB0B4A2}"/>
+                <a16:creationId xmlns="" xmlns:a16="http://schemas.microsoft.com/office/drawing/2014/main" id="{66D361DF-4053-70F3-3A59-1858DCB0B4A2}"/>
               </a:ext>
             </a:extLst>
           </p:cNvPr>
@@ -9356,7 +9610,7 @@
           <p:cNvPr id="4" name="Title 1">
             <a:extLst>
               <a:ext uri="{FF2B5EF4-FFF2-40B4-BE49-F238E27FC236}">
-                <a16:creationId xmlns:a16="http://schemas.microsoft.com/office/drawing/2014/main" xmlns="" id="{CA898552-904F-FBAC-AADE-58BB375A8B18}"/>
+                <a16:creationId xmlns="" xmlns:a16="http://schemas.microsoft.com/office/drawing/2014/main" id="{CA898552-904F-FBAC-AADE-58BB375A8B18}"/>
               </a:ext>
             </a:extLst>
           </p:cNvPr>
@@ -9418,7 +9672,7 @@
           <p:cNvPr id="5" name="Rectangle 4">
             <a:extLst>
               <a:ext uri="{FF2B5EF4-FFF2-40B4-BE49-F238E27FC236}">
-                <a16:creationId xmlns:a16="http://schemas.microsoft.com/office/drawing/2014/main" xmlns="" id="{4E611A24-FAE7-F22A-664C-F25B609B83E7}"/>
+                <a16:creationId xmlns="" xmlns:a16="http://schemas.microsoft.com/office/drawing/2014/main" id="{4E611A24-FAE7-F22A-664C-F25B609B83E7}"/>
               </a:ext>
             </a:extLst>
           </p:cNvPr>
@@ -9504,7 +9758,7 @@
           <p:cNvPr id="2" name="Title 1">
             <a:extLst>
               <a:ext uri="{FF2B5EF4-FFF2-40B4-BE49-F238E27FC236}">
-                <a16:creationId xmlns:a16="http://schemas.microsoft.com/office/drawing/2014/main" xmlns="" id="{589F7C0B-8BA5-3BD7-4A2C-FA4BBC3B74B5}"/>
+                <a16:creationId xmlns="" xmlns:a16="http://schemas.microsoft.com/office/drawing/2014/main" id="{589F7C0B-8BA5-3BD7-4A2C-FA4BBC3B74B5}"/>
               </a:ext>
             </a:extLst>
           </p:cNvPr>
@@ -9544,7 +9798,7 @@
           <p:cNvPr id="7" name="TextBox 6">
             <a:extLst>
               <a:ext uri="{FF2B5EF4-FFF2-40B4-BE49-F238E27FC236}">
-                <a16:creationId xmlns:a16="http://schemas.microsoft.com/office/drawing/2014/main" xmlns="" id="{66D361DF-4053-70F3-3A59-1858DCB0B4A2}"/>
+                <a16:creationId xmlns="" xmlns:a16="http://schemas.microsoft.com/office/drawing/2014/main" id="{66D361DF-4053-70F3-3A59-1858DCB0B4A2}"/>
               </a:ext>
             </a:extLst>
           </p:cNvPr>
@@ -9688,7 +9942,7 @@
           <p:cNvPr id="4" name="Title 1">
             <a:extLst>
               <a:ext uri="{FF2B5EF4-FFF2-40B4-BE49-F238E27FC236}">
-                <a16:creationId xmlns:a16="http://schemas.microsoft.com/office/drawing/2014/main" xmlns="" id="{CA898552-904F-FBAC-AADE-58BB375A8B18}"/>
+                <a16:creationId xmlns="" xmlns:a16="http://schemas.microsoft.com/office/drawing/2014/main" id="{CA898552-904F-FBAC-AADE-58BB375A8B18}"/>
               </a:ext>
             </a:extLst>
           </p:cNvPr>
@@ -9750,7 +10004,7 @@
           <p:cNvPr id="5" name="Rectangle 4">
             <a:extLst>
               <a:ext uri="{FF2B5EF4-FFF2-40B4-BE49-F238E27FC236}">
-                <a16:creationId xmlns:a16="http://schemas.microsoft.com/office/drawing/2014/main" xmlns="" id="{4E611A24-FAE7-F22A-664C-F25B609B83E7}"/>
+                <a16:creationId xmlns="" xmlns:a16="http://schemas.microsoft.com/office/drawing/2014/main" id="{4E611A24-FAE7-F22A-664C-F25B609B83E7}"/>
               </a:ext>
             </a:extLst>
           </p:cNvPr>
